--- a/BLiP Presentation.pptx
+++ b/BLiP Presentation.pptx
@@ -16,9 +16,10 @@
     <p:sldId id="260" r:id="rId10"/>
     <p:sldId id="266" r:id="rId11"/>
     <p:sldId id="265" r:id="rId12"/>
-    <p:sldId id="267" r:id="rId13"/>
-    <p:sldId id="268" r:id="rId14"/>
-    <p:sldId id="269" r:id="rId15"/>
+    <p:sldId id="270" r:id="rId13"/>
+    <p:sldId id="267" r:id="rId14"/>
+    <p:sldId id="268" r:id="rId15"/>
+    <p:sldId id="269" r:id="rId16"/>
   </p:sldIdLst>
   <p:sldSz cx="9144000" cy="6858000" type="screen4x3"/>
   <p:notesSz cx="6858000" cy="9144000"/>
@@ -345,7 +346,7 @@
             <a:fld id="{4371DC99-4B83-4F42-BC45-F1355680DE96}" type="datetimeFigureOut">
               <a:rPr lang="en-US" smtClean="0"/>
               <a:pPr/>
-              <a:t>5/12/14</a:t>
+              <a:t>5/13/14</a:t>
             </a:fld>
             <a:endParaRPr lang="en-US"/>
           </a:p>
@@ -678,7 +679,7 @@
             <a:fld id="{4371DC99-4B83-4F42-BC45-F1355680DE96}" type="datetimeFigureOut">
               <a:rPr lang="en-US" smtClean="0"/>
               <a:pPr/>
-              <a:t>5/12/14</a:t>
+              <a:t>5/13/14</a:t>
             </a:fld>
             <a:endParaRPr lang="en-US"/>
           </a:p>
@@ -916,7 +917,7 @@
             <a:fld id="{4371DC99-4B83-4F42-BC45-F1355680DE96}" type="datetimeFigureOut">
               <a:rPr lang="en-US" smtClean="0"/>
               <a:pPr/>
-              <a:t>5/12/14</a:t>
+              <a:t>5/13/14</a:t>
             </a:fld>
             <a:endParaRPr lang="en-US"/>
           </a:p>
@@ -1160,7 +1161,7 @@
             <a:fld id="{4371DC99-4B83-4F42-BC45-F1355680DE96}" type="datetimeFigureOut">
               <a:rPr lang="en-US" smtClean="0"/>
               <a:pPr/>
-              <a:t>5/12/14</a:t>
+              <a:t>5/13/14</a:t>
             </a:fld>
             <a:endParaRPr lang="en-US"/>
           </a:p>
@@ -1428,7 +1429,7 @@
             <a:fld id="{4371DC99-4B83-4F42-BC45-F1355680DE96}" type="datetimeFigureOut">
               <a:rPr lang="en-US" smtClean="0"/>
               <a:pPr/>
-              <a:t>5/12/14</a:t>
+              <a:t>5/13/14</a:t>
             </a:fld>
             <a:endParaRPr lang="en-US"/>
           </a:p>
@@ -1734,7 +1735,7 @@
             <a:fld id="{4371DC99-4B83-4F42-BC45-F1355680DE96}" type="datetimeFigureOut">
               <a:rPr lang="en-US" smtClean="0"/>
               <a:pPr/>
-              <a:t>5/12/14</a:t>
+              <a:t>5/13/14</a:t>
             </a:fld>
             <a:endParaRPr lang="en-US"/>
           </a:p>
@@ -1947,7 +1948,7 @@
             <a:fld id="{4371DC99-4B83-4F42-BC45-F1355680DE96}" type="datetimeFigureOut">
               <a:rPr lang="en-US" smtClean="0"/>
               <a:pPr/>
-              <a:t>5/12/14</a:t>
+              <a:t>5/13/14</a:t>
             </a:fld>
             <a:endParaRPr lang="en-US"/>
           </a:p>
@@ -2039,7 +2040,7 @@
             <a:fld id="{4371DC99-4B83-4F42-BC45-F1355680DE96}" type="datetimeFigureOut">
               <a:rPr lang="en-US" smtClean="0"/>
               <a:pPr/>
-              <a:t>5/12/14</a:t>
+              <a:t>5/13/14</a:t>
             </a:fld>
             <a:endParaRPr lang="en-US"/>
           </a:p>
@@ -2342,7 +2343,7 @@
             <a:fld id="{4371DC99-4B83-4F42-BC45-F1355680DE96}" type="datetimeFigureOut">
               <a:rPr lang="en-US" smtClean="0"/>
               <a:pPr/>
-              <a:t>5/12/14</a:t>
+              <a:t>5/13/14</a:t>
             </a:fld>
             <a:endParaRPr lang="en-US"/>
           </a:p>
@@ -2594,7 +2595,7 @@
             <a:fld id="{4371DC99-4B83-4F42-BC45-F1355680DE96}" type="datetimeFigureOut">
               <a:rPr lang="en-US" smtClean="0"/>
               <a:pPr/>
-              <a:t>5/12/14</a:t>
+              <a:t>5/13/14</a:t>
             </a:fld>
             <a:endParaRPr lang="en-US"/>
           </a:p>
@@ -2876,7 +2877,7 @@
             <a:fld id="{4371DC99-4B83-4F42-BC45-F1355680DE96}" type="datetimeFigureOut">
               <a:rPr lang="en-US" smtClean="0"/>
               <a:pPr/>
-              <a:t>5/12/14</a:t>
+              <a:t>5/13/14</a:t>
             </a:fld>
             <a:endParaRPr lang="en-US"/>
           </a:p>
@@ -3206,7 +3207,7 @@
             <a:fld id="{4371DC99-4B83-4F42-BC45-F1355680DE96}" type="datetimeFigureOut">
               <a:rPr lang="en-US" smtClean="0"/>
               <a:pPr/>
-              <a:t>5/12/14</a:t>
+              <a:t>5/13/14</a:t>
             </a:fld>
             <a:endParaRPr lang="en-US"/>
           </a:p>
@@ -3688,7 +3689,7 @@
             <a:fld id="{4371DC99-4B83-4F42-BC45-F1355680DE96}" type="datetimeFigureOut">
               <a:rPr lang="en-US" smtClean="0"/>
               <a:pPr/>
-              <a:t>5/12/14</a:t>
+              <a:t>5/13/14</a:t>
             </a:fld>
             <a:endParaRPr lang="en-US"/>
           </a:p>
@@ -3838,7 +3839,7 @@
             <a:fld id="{4371DC99-4B83-4F42-BC45-F1355680DE96}" type="datetimeFigureOut">
               <a:rPr lang="en-US" smtClean="0"/>
               <a:pPr/>
-              <a:t>5/12/14</a:t>
+              <a:t>5/13/14</a:t>
             </a:fld>
             <a:endParaRPr lang="en-US"/>
           </a:p>
@@ -3930,7 +3931,7 @@
             <a:fld id="{4371DC99-4B83-4F42-BC45-F1355680DE96}" type="datetimeFigureOut">
               <a:rPr lang="en-US" smtClean="0"/>
               <a:pPr/>
-              <a:t>5/12/14</a:t>
+              <a:t>5/13/14</a:t>
             </a:fld>
             <a:endParaRPr lang="en-US"/>
           </a:p>
@@ -4271,7 +4272,7 @@
             <a:fld id="{4371DC99-4B83-4F42-BC45-F1355680DE96}" type="datetimeFigureOut">
               <a:rPr lang="en-US" smtClean="0"/>
               <a:pPr/>
-              <a:t>5/12/14</a:t>
+              <a:t>5/13/14</a:t>
             </a:fld>
             <a:endParaRPr lang="en-US"/>
           </a:p>
@@ -4482,7 +4483,7 @@
             <a:fld id="{4371DC99-4B83-4F42-BC45-F1355680DE96}" type="datetimeFigureOut">
               <a:rPr lang="en-US" smtClean="0"/>
               <a:pPr/>
-              <a:t>5/12/14</a:t>
+              <a:t>5/13/14</a:t>
             </a:fld>
             <a:endParaRPr lang="en-US"/>
           </a:p>
@@ -5636,6 +5637,81 @@
       </p:grpSpPr>
       <p:sp>
         <p:nvSpPr>
+          <p:cNvPr id="9" name="Title 8"/>
+          <p:cNvSpPr>
+            <a:spLocks noGrp="1"/>
+          </p:cNvSpPr>
+          <p:nvPr>
+            <p:ph type="title"/>
+          </p:nvPr>
+        </p:nvSpPr>
+        <p:spPr/>
+        <p:txBody>
+          <a:bodyPr/>
+          <a:lstStyle/>
+          <a:p>
+            <a:endParaRPr lang="en-US"/>
+          </a:p>
+        </p:txBody>
+      </p:sp>
+      <p:pic>
+        <p:nvPicPr>
+          <p:cNvPr id="8" name="Content Placeholder 7" descr="Screen Shot 2014-05-13 at 11.39.00 AM.png"/>
+          <p:cNvPicPr>
+            <a:picLocks noGrp="1" noChangeAspect="1"/>
+          </p:cNvPicPr>
+          <p:nvPr>
+            <p:ph idx="1"/>
+          </p:nvPr>
+        </p:nvPicPr>
+        <p:blipFill>
+          <a:blip r:embed="rId2"/>
+          <a:srcRect l="-20329" r="-20329"/>
+          <a:stretch>
+            <a:fillRect/>
+          </a:stretch>
+        </p:blipFill>
+        <p:spPr>
+          <a:xfrm>
+            <a:off x="-1032630" y="1289749"/>
+            <a:ext cx="11068039" cy="4633181"/>
+          </a:xfrm>
+        </p:spPr>
+      </p:pic>
+    </p:spTree>
+  </p:cSld>
+  <p:clrMapOvr>
+    <a:masterClrMapping/>
+  </p:clrMapOvr>
+  <p:timing>
+    <p:tnLst>
+      <p:par>
+        <p:cTn id="1" dur="indefinite" restart="never" nodeType="tmRoot"/>
+      </p:par>
+    </p:tnLst>
+  </p:timing>
+</p:sld>
+</file>
+
+<file path=ppt/slides/slide13.xml><?xml version="1.0" encoding="utf-8"?>
+<p:sld xmlns:a="http://schemas.openxmlformats.org/drawingml/2006/main" xmlns:r="http://schemas.openxmlformats.org/officeDocument/2006/relationships" xmlns:mc="http://schemas.openxmlformats.org/markup-compatibility/2006" xmlns:mv="urn:schemas-microsoft-com:mac:vml" xmlns:p="http://schemas.openxmlformats.org/presentationml/2006/main" mc:Ignorable="mv" mc:PreserveAttributes="mv:*">
+  <p:cSld>
+    <p:spTree>
+      <p:nvGrpSpPr>
+        <p:cNvPr id="1" name=""/>
+        <p:cNvGrpSpPr/>
+        <p:nvPr/>
+      </p:nvGrpSpPr>
+      <p:grpSpPr>
+        <a:xfrm>
+          <a:off x="0" y="0"/>
+          <a:ext cx="0" cy="0"/>
+          <a:chOff x="0" y="0"/>
+          <a:chExt cx="0" cy="0"/>
+        </a:xfrm>
+      </p:grpSpPr>
+      <p:sp>
+        <p:nvSpPr>
           <p:cNvPr id="4" name="Title 3"/>
           <p:cNvSpPr>
             <a:spLocks noGrp="1"/>
@@ -6009,116 +6085,6 @@
 </p:sld>
 </file>
 
-<file path=ppt/slides/slide13.xml><?xml version="1.0" encoding="utf-8"?>
-<p:sld xmlns:a="http://schemas.openxmlformats.org/drawingml/2006/main" xmlns:r="http://schemas.openxmlformats.org/officeDocument/2006/relationships" xmlns:mc="http://schemas.openxmlformats.org/markup-compatibility/2006" xmlns:mv="urn:schemas-microsoft-com:mac:vml" xmlns:p="http://schemas.openxmlformats.org/presentationml/2006/main" mc:Ignorable="mv" mc:PreserveAttributes="mv:*">
-  <p:cSld>
-    <p:spTree>
-      <p:nvGrpSpPr>
-        <p:cNvPr id="1" name=""/>
-        <p:cNvGrpSpPr/>
-        <p:nvPr/>
-      </p:nvGrpSpPr>
-      <p:grpSpPr>
-        <a:xfrm>
-          <a:off x="0" y="0"/>
-          <a:ext cx="0" cy="0"/>
-          <a:chOff x="0" y="0"/>
-          <a:chExt cx="0" cy="0"/>
-        </a:xfrm>
-      </p:grpSpPr>
-      <p:sp>
-        <p:nvSpPr>
-          <p:cNvPr id="2" name="Title 1"/>
-          <p:cNvSpPr>
-            <a:spLocks noGrp="1"/>
-          </p:cNvSpPr>
-          <p:nvPr>
-            <p:ph type="title"/>
-          </p:nvPr>
-        </p:nvSpPr>
-        <p:spPr/>
-        <p:txBody>
-          <a:bodyPr/>
-          <a:lstStyle/>
-          <a:p>
-            <a:r>
-              <a:rPr lang="en-US" dirty="0" smtClean="0"/>
-              <a:t>Evaluation Ideas</a:t>
-            </a:r>
-            <a:endParaRPr lang="en-US" dirty="0"/>
-          </a:p>
-        </p:txBody>
-      </p:sp>
-      <p:sp>
-        <p:nvSpPr>
-          <p:cNvPr id="3" name="Content Placeholder 2"/>
-          <p:cNvSpPr>
-            <a:spLocks noGrp="1"/>
-          </p:cNvSpPr>
-          <p:nvPr>
-            <p:ph idx="1"/>
-          </p:nvPr>
-        </p:nvSpPr>
-        <p:spPr/>
-        <p:txBody>
-          <a:bodyPr/>
-          <a:lstStyle/>
-          <a:p>
-            <a:r>
-              <a:rPr lang="en-US" dirty="0" smtClean="0"/>
-              <a:t>Scalability concerns</a:t>
-            </a:r>
-          </a:p>
-          <a:p>
-            <a:pPr lvl="1"/>
-            <a:r>
-              <a:rPr lang="en-US" dirty="0" smtClean="0"/>
-              <a:t>How many active connections can a peer handle at once?</a:t>
-            </a:r>
-          </a:p>
-          <a:p>
-            <a:pPr lvl="1"/>
-            <a:r>
-              <a:rPr lang="en-US" dirty="0" smtClean="0"/>
-              <a:t>Malicious nodes (</a:t>
-            </a:r>
-            <a:r>
-              <a:rPr lang="en-US" dirty="0" err="1" smtClean="0"/>
-              <a:t>DDoS</a:t>
-            </a:r>
-            <a:r>
-              <a:rPr lang="en-US" dirty="0" smtClean="0"/>
-              <a:t>), abusing DHT lookups</a:t>
-            </a:r>
-          </a:p>
-          <a:p>
-            <a:pPr lvl="1"/>
-            <a:r>
-              <a:rPr lang="en-US" dirty="0" smtClean="0"/>
-              <a:t>How does the performance of peers (measured in benchmark RT) vary with network size?</a:t>
-            </a:r>
-          </a:p>
-          <a:p>
-            <a:pPr lvl="2"/>
-            <a:r>
-              <a:rPr lang="en-US" dirty="0" smtClean="0"/>
-              <a:t>Likely dependent on DHT properties</a:t>
-            </a:r>
-          </a:p>
-          <a:p>
-            <a:pPr lvl="1"/>
-            <a:endParaRPr lang="en-US" dirty="0" smtClean="0"/>
-          </a:p>
-        </p:txBody>
-      </p:sp>
-    </p:spTree>
-  </p:cSld>
-  <p:clrMapOvr>
-    <a:masterClrMapping/>
-  </p:clrMapOvr>
-</p:sld>
-</file>
-
 <file path=ppt/slides/slide14.xml><?xml version="1.0" encoding="utf-8"?>
 <p:sld xmlns:a="http://schemas.openxmlformats.org/drawingml/2006/main" xmlns:r="http://schemas.openxmlformats.org/officeDocument/2006/relationships" xmlns:mc="http://schemas.openxmlformats.org/markup-compatibility/2006" xmlns:mv="urn:schemas-microsoft-com:mac:vml" xmlns:p="http://schemas.openxmlformats.org/presentationml/2006/main" mc:Ignorable="mv" mc:PreserveAttributes="mv:*">
   <p:cSld>
@@ -6153,7 +6119,7 @@
           <a:p>
             <a:r>
               <a:rPr lang="en-US" dirty="0" smtClean="0"/>
-              <a:t>Questions?</a:t>
+              <a:t>Evaluation Ideas</a:t>
             </a:r>
             <a:endParaRPr lang="en-US" dirty="0"/>
           </a:p>
@@ -6174,7 +6140,50 @@
           <a:bodyPr/>
           <a:lstStyle/>
           <a:p>
-            <a:endParaRPr lang="en-US"/>
+            <a:r>
+              <a:rPr lang="en-US" dirty="0" smtClean="0"/>
+              <a:t>Scalability concerns</a:t>
+            </a:r>
+          </a:p>
+          <a:p>
+            <a:pPr lvl="1"/>
+            <a:r>
+              <a:rPr lang="en-US" dirty="0" smtClean="0"/>
+              <a:t>How many active connections can a peer handle at once?</a:t>
+            </a:r>
+          </a:p>
+          <a:p>
+            <a:pPr lvl="1"/>
+            <a:r>
+              <a:rPr lang="en-US" dirty="0" smtClean="0"/>
+              <a:t>Malicious nodes (</a:t>
+            </a:r>
+            <a:r>
+              <a:rPr lang="en-US" dirty="0" err="1" smtClean="0"/>
+              <a:t>DDoS</a:t>
+            </a:r>
+            <a:r>
+              <a:rPr lang="en-US" dirty="0" smtClean="0"/>
+              <a:t>), abusing DHT lookups</a:t>
+            </a:r>
+          </a:p>
+          <a:p>
+            <a:pPr lvl="1"/>
+            <a:r>
+              <a:rPr lang="en-US" dirty="0" smtClean="0"/>
+              <a:t>How does the performance of peers (measured in benchmark RT) vary with network size?</a:t>
+            </a:r>
+          </a:p>
+          <a:p>
+            <a:pPr lvl="2"/>
+            <a:r>
+              <a:rPr lang="en-US" dirty="0" smtClean="0"/>
+              <a:t>Likely dependent on DHT properties</a:t>
+            </a:r>
+          </a:p>
+          <a:p>
+            <a:pPr lvl="1"/>
+            <a:endParaRPr lang="en-US" dirty="0" smtClean="0"/>
           </a:p>
         </p:txBody>
       </p:sp>
@@ -6183,6 +6192,87 @@
   <p:clrMapOvr>
     <a:masterClrMapping/>
   </p:clrMapOvr>
+  <p:timing>
+    <p:tnLst>
+      <p:par>
+        <p:cTn id="1" dur="indefinite" restart="never" nodeType="tmRoot"/>
+      </p:par>
+    </p:tnLst>
+  </p:timing>
+</p:sld>
+</file>
+
+<file path=ppt/slides/slide15.xml><?xml version="1.0" encoding="utf-8"?>
+<p:sld xmlns:a="http://schemas.openxmlformats.org/drawingml/2006/main" xmlns:r="http://schemas.openxmlformats.org/officeDocument/2006/relationships" xmlns:mc="http://schemas.openxmlformats.org/markup-compatibility/2006" xmlns:mv="urn:schemas-microsoft-com:mac:vml" xmlns:p="http://schemas.openxmlformats.org/presentationml/2006/main" mc:Ignorable="mv" mc:PreserveAttributes="mv:*">
+  <p:cSld>
+    <p:spTree>
+      <p:nvGrpSpPr>
+        <p:cNvPr id="1" name=""/>
+        <p:cNvGrpSpPr/>
+        <p:nvPr/>
+      </p:nvGrpSpPr>
+      <p:grpSpPr>
+        <a:xfrm>
+          <a:off x="0" y="0"/>
+          <a:ext cx="0" cy="0"/>
+          <a:chOff x="0" y="0"/>
+          <a:chExt cx="0" cy="0"/>
+        </a:xfrm>
+      </p:grpSpPr>
+      <p:sp>
+        <p:nvSpPr>
+          <p:cNvPr id="2" name="Title 1"/>
+          <p:cNvSpPr>
+            <a:spLocks noGrp="1"/>
+          </p:cNvSpPr>
+          <p:nvPr>
+            <p:ph type="title"/>
+          </p:nvPr>
+        </p:nvSpPr>
+        <p:spPr/>
+        <p:txBody>
+          <a:bodyPr/>
+          <a:lstStyle/>
+          <a:p>
+            <a:r>
+              <a:rPr lang="en-US" dirty="0" smtClean="0"/>
+              <a:t>Questions?</a:t>
+            </a:r>
+            <a:endParaRPr lang="en-US" dirty="0"/>
+          </a:p>
+        </p:txBody>
+      </p:sp>
+      <p:sp>
+        <p:nvSpPr>
+          <p:cNvPr id="3" name="Content Placeholder 2"/>
+          <p:cNvSpPr>
+            <a:spLocks noGrp="1"/>
+          </p:cNvSpPr>
+          <p:nvPr>
+            <p:ph idx="1"/>
+          </p:nvPr>
+        </p:nvSpPr>
+        <p:spPr/>
+        <p:txBody>
+          <a:bodyPr/>
+          <a:lstStyle/>
+          <a:p>
+            <a:endParaRPr lang="en-US"/>
+          </a:p>
+        </p:txBody>
+      </p:sp>
+    </p:spTree>
+  </p:cSld>
+  <p:clrMapOvr>
+    <a:masterClrMapping/>
+  </p:clrMapOvr>
+  <p:timing>
+    <p:tnLst>
+      <p:par>
+        <p:cTn id="1" dur="indefinite" restart="never" nodeType="tmRoot"/>
+      </p:par>
+    </p:tnLst>
+  </p:timing>
 </p:sld>
 </file>
 
@@ -6284,11 +6374,7 @@
             <a:pPr lvl="1"/>
             <a:r>
               <a:rPr lang="en-US" dirty="0" smtClean="0"/>
-              <a:t>Must trust users to maintain state; no central </a:t>
-            </a:r>
-            <a:r>
-              <a:rPr lang="en-US" dirty="0" smtClean="0"/>
-              <a:t>backup</a:t>
+              <a:t>Must trust users to maintain state; no central backup</a:t>
             </a:r>
           </a:p>
           <a:p>
@@ -6297,7 +6383,6 @@
               <a:rPr lang="en-US" dirty="0" smtClean="0"/>
               <a:t>Slow peers can cause latency issues, bottlenecks</a:t>
             </a:r>
-            <a:endParaRPr lang="en-US" dirty="0" smtClean="0"/>
           </a:p>
           <a:p>
             <a:pPr lvl="1"/>
@@ -6707,6 +6792,7 @@
               <a:rPr lang="en-US" dirty="0" smtClean="0"/>
               <a:t>Privacy</a:t>
             </a:r>
+            <a:endParaRPr lang="en-US" dirty="0" smtClean="0"/>
           </a:p>
           <a:p>
             <a:r>
@@ -6717,8 +6803,25 @@
           <a:p>
             <a:r>
               <a:rPr lang="en-US" dirty="0" smtClean="0"/>
-              <a:t>Scalability</a:t>
-            </a:r>
+              <a:t>Scalabilit</a:t>
+            </a:r>
+            <a:r>
+              <a:rPr lang="en-US" dirty="0" smtClean="0"/>
+              <a:t>y</a:t>
+            </a:r>
+          </a:p>
+          <a:p>
+            <a:r>
+              <a:rPr lang="en-US" dirty="0" smtClean="0"/>
+              <a:t>Not interested </a:t>
+            </a:r>
+            <a:r>
+              <a:rPr lang="en-US" smtClean="0"/>
+              <a:t>in anonymity</a:t>
+            </a:r>
+          </a:p>
+          <a:p>
+            <a:endParaRPr lang="en-US" dirty="0" smtClean="0"/>
           </a:p>
           <a:p>
             <a:endParaRPr lang="en-US" dirty="0"/>
@@ -6910,8 +7013,31 @@
           <a:p>
             <a:r>
               <a:rPr lang="en-US" dirty="0" smtClean="0"/>
-              <a:t>To get an address for a username, just ask the DHT</a:t>
-            </a:r>
+              <a:t>To get an address for a username, just ask the </a:t>
+            </a:r>
+            <a:r>
+              <a:rPr lang="en-US" dirty="0" smtClean="0"/>
+              <a:t>DHT</a:t>
+            </a:r>
+          </a:p>
+          <a:p>
+            <a:r>
+              <a:rPr lang="en-US" dirty="0" smtClean="0"/>
+              <a:t>Chord </a:t>
+            </a:r>
+            <a:r>
+              <a:rPr lang="en-US" dirty="0" err="1" smtClean="0"/>
+              <a:t>vs</a:t>
+            </a:r>
+            <a:r>
+              <a:rPr lang="en-US" dirty="0" smtClean="0"/>
+              <a:t> </a:t>
+            </a:r>
+            <a:r>
+              <a:rPr lang="en-US" dirty="0" err="1" smtClean="0"/>
+              <a:t>Kademlia</a:t>
+            </a:r>
+            <a:endParaRPr lang="en-US" dirty="0" smtClean="0"/>
           </a:p>
           <a:p>
             <a:endParaRPr lang="en-US" dirty="0"/>
@@ -7107,6 +7233,55 @@
                                           <p:spTgt spid="3">
                                             <p:txEl>
                                               <p:pRg st="3" end="3"/>
+                                            </p:txEl>
+                                          </p:spTgt>
+                                        </p:tgtEl>
+                                        <p:attrNameLst>
+                                          <p:attrName>style.visibility</p:attrName>
+                                        </p:attrNameLst>
+                                      </p:cBhvr>
+                                      <p:to>
+                                        <p:strVal val="visible"/>
+                                      </p:to>
+                                    </p:set>
+                                  </p:childTnLst>
+                                </p:cTn>
+                              </p:par>
+                            </p:childTnLst>
+                          </p:cTn>
+                        </p:par>
+                      </p:childTnLst>
+                    </p:cTn>
+                  </p:par>
+                  <p:par>
+                    <p:cTn id="19" fill="hold">
+                      <p:stCondLst>
+                        <p:cond delay="indefinite"/>
+                      </p:stCondLst>
+                      <p:childTnLst>
+                        <p:par>
+                          <p:cTn id="20" fill="hold">
+                            <p:stCondLst>
+                              <p:cond delay="0"/>
+                            </p:stCondLst>
+                            <p:childTnLst>
+                              <p:par>
+                                <p:cTn id="21" presetID="1" presetClass="entr" presetSubtype="0" fill="hold" grpId="0" nodeType="clickEffect">
+                                  <p:stCondLst>
+                                    <p:cond delay="0"/>
+                                  </p:stCondLst>
+                                  <p:childTnLst>
+                                    <p:set>
+                                      <p:cBhvr>
+                                        <p:cTn id="22" dur="1" fill="hold">
+                                          <p:stCondLst>
+                                            <p:cond delay="0"/>
+                                          </p:stCondLst>
+                                        </p:cTn>
+                                        <p:tgtEl>
+                                          <p:spTgt spid="3">
+                                            <p:txEl>
+                                              <p:pRg st="4" end="4"/>
                                             </p:txEl>
                                           </p:spTgt>
                                         </p:tgtEl>
@@ -7855,15 +8030,7 @@
             <a:pPr lvl="1"/>
             <a:r>
               <a:rPr lang="en-US" dirty="0" smtClean="0"/>
-              <a:t>Compose</a:t>
-            </a:r>
-            <a:r>
-              <a:rPr lang="en-US" dirty="0" smtClean="0"/>
-              <a:t> </a:t>
-            </a:r>
-            <a:r>
-              <a:rPr lang="en-US" dirty="0" smtClean="0"/>
-              <a:t>a verifier string, V, and send it to B</a:t>
+              <a:t>Compose a verifier string, V, and send it to B</a:t>
             </a:r>
           </a:p>
           <a:p>

--- a/BLiP Presentation.pptx
+++ b/BLiP Presentation.pptx
@@ -16,10 +16,9 @@
     <p:sldId id="260" r:id="rId10"/>
     <p:sldId id="266" r:id="rId11"/>
     <p:sldId id="265" r:id="rId12"/>
-    <p:sldId id="270" r:id="rId13"/>
-    <p:sldId id="267" r:id="rId14"/>
-    <p:sldId id="268" r:id="rId15"/>
-    <p:sldId id="269" r:id="rId16"/>
+    <p:sldId id="267" r:id="rId13"/>
+    <p:sldId id="268" r:id="rId14"/>
+    <p:sldId id="269" r:id="rId15"/>
   </p:sldIdLst>
   <p:sldSz cx="9144000" cy="6858000" type="screen4x3"/>
   <p:notesSz cx="6858000" cy="9144000"/>
@@ -346,7 +345,7 @@
             <a:fld id="{4371DC99-4B83-4F42-BC45-F1355680DE96}" type="datetimeFigureOut">
               <a:rPr lang="en-US" smtClean="0"/>
               <a:pPr/>
-              <a:t>5/13/14</a:t>
+              <a:t>5/12/14</a:t>
             </a:fld>
             <a:endParaRPr lang="en-US"/>
           </a:p>
@@ -679,7 +678,7 @@
             <a:fld id="{4371DC99-4B83-4F42-BC45-F1355680DE96}" type="datetimeFigureOut">
               <a:rPr lang="en-US" smtClean="0"/>
               <a:pPr/>
-              <a:t>5/13/14</a:t>
+              <a:t>5/12/14</a:t>
             </a:fld>
             <a:endParaRPr lang="en-US"/>
           </a:p>
@@ -917,7 +916,7 @@
             <a:fld id="{4371DC99-4B83-4F42-BC45-F1355680DE96}" type="datetimeFigureOut">
               <a:rPr lang="en-US" smtClean="0"/>
               <a:pPr/>
-              <a:t>5/13/14</a:t>
+              <a:t>5/12/14</a:t>
             </a:fld>
             <a:endParaRPr lang="en-US"/>
           </a:p>
@@ -1161,7 +1160,7 @@
             <a:fld id="{4371DC99-4B83-4F42-BC45-F1355680DE96}" type="datetimeFigureOut">
               <a:rPr lang="en-US" smtClean="0"/>
               <a:pPr/>
-              <a:t>5/13/14</a:t>
+              <a:t>5/12/14</a:t>
             </a:fld>
             <a:endParaRPr lang="en-US"/>
           </a:p>
@@ -1429,7 +1428,7 @@
             <a:fld id="{4371DC99-4B83-4F42-BC45-F1355680DE96}" type="datetimeFigureOut">
               <a:rPr lang="en-US" smtClean="0"/>
               <a:pPr/>
-              <a:t>5/13/14</a:t>
+              <a:t>5/12/14</a:t>
             </a:fld>
             <a:endParaRPr lang="en-US"/>
           </a:p>
@@ -1735,7 +1734,7 @@
             <a:fld id="{4371DC99-4B83-4F42-BC45-F1355680DE96}" type="datetimeFigureOut">
               <a:rPr lang="en-US" smtClean="0"/>
               <a:pPr/>
-              <a:t>5/13/14</a:t>
+              <a:t>5/12/14</a:t>
             </a:fld>
             <a:endParaRPr lang="en-US"/>
           </a:p>
@@ -1948,7 +1947,7 @@
             <a:fld id="{4371DC99-4B83-4F42-BC45-F1355680DE96}" type="datetimeFigureOut">
               <a:rPr lang="en-US" smtClean="0"/>
               <a:pPr/>
-              <a:t>5/13/14</a:t>
+              <a:t>5/12/14</a:t>
             </a:fld>
             <a:endParaRPr lang="en-US"/>
           </a:p>
@@ -2040,7 +2039,7 @@
             <a:fld id="{4371DC99-4B83-4F42-BC45-F1355680DE96}" type="datetimeFigureOut">
               <a:rPr lang="en-US" smtClean="0"/>
               <a:pPr/>
-              <a:t>5/13/14</a:t>
+              <a:t>5/12/14</a:t>
             </a:fld>
             <a:endParaRPr lang="en-US"/>
           </a:p>
@@ -2343,7 +2342,7 @@
             <a:fld id="{4371DC99-4B83-4F42-BC45-F1355680DE96}" type="datetimeFigureOut">
               <a:rPr lang="en-US" smtClean="0"/>
               <a:pPr/>
-              <a:t>5/13/14</a:t>
+              <a:t>5/12/14</a:t>
             </a:fld>
             <a:endParaRPr lang="en-US"/>
           </a:p>
@@ -2595,7 +2594,7 @@
             <a:fld id="{4371DC99-4B83-4F42-BC45-F1355680DE96}" type="datetimeFigureOut">
               <a:rPr lang="en-US" smtClean="0"/>
               <a:pPr/>
-              <a:t>5/13/14</a:t>
+              <a:t>5/12/14</a:t>
             </a:fld>
             <a:endParaRPr lang="en-US"/>
           </a:p>
@@ -2877,7 +2876,7 @@
             <a:fld id="{4371DC99-4B83-4F42-BC45-F1355680DE96}" type="datetimeFigureOut">
               <a:rPr lang="en-US" smtClean="0"/>
               <a:pPr/>
-              <a:t>5/13/14</a:t>
+              <a:t>5/12/14</a:t>
             </a:fld>
             <a:endParaRPr lang="en-US"/>
           </a:p>
@@ -3207,7 +3206,7 @@
             <a:fld id="{4371DC99-4B83-4F42-BC45-F1355680DE96}" type="datetimeFigureOut">
               <a:rPr lang="en-US" smtClean="0"/>
               <a:pPr/>
-              <a:t>5/13/14</a:t>
+              <a:t>5/12/14</a:t>
             </a:fld>
             <a:endParaRPr lang="en-US"/>
           </a:p>
@@ -3689,7 +3688,7 @@
             <a:fld id="{4371DC99-4B83-4F42-BC45-F1355680DE96}" type="datetimeFigureOut">
               <a:rPr lang="en-US" smtClean="0"/>
               <a:pPr/>
-              <a:t>5/13/14</a:t>
+              <a:t>5/12/14</a:t>
             </a:fld>
             <a:endParaRPr lang="en-US"/>
           </a:p>
@@ -3839,7 +3838,7 @@
             <a:fld id="{4371DC99-4B83-4F42-BC45-F1355680DE96}" type="datetimeFigureOut">
               <a:rPr lang="en-US" smtClean="0"/>
               <a:pPr/>
-              <a:t>5/13/14</a:t>
+              <a:t>5/12/14</a:t>
             </a:fld>
             <a:endParaRPr lang="en-US"/>
           </a:p>
@@ -3931,7 +3930,7 @@
             <a:fld id="{4371DC99-4B83-4F42-BC45-F1355680DE96}" type="datetimeFigureOut">
               <a:rPr lang="en-US" smtClean="0"/>
               <a:pPr/>
-              <a:t>5/13/14</a:t>
+              <a:t>5/12/14</a:t>
             </a:fld>
             <a:endParaRPr lang="en-US"/>
           </a:p>
@@ -4272,7 +4271,7 @@
             <a:fld id="{4371DC99-4B83-4F42-BC45-F1355680DE96}" type="datetimeFigureOut">
               <a:rPr lang="en-US" smtClean="0"/>
               <a:pPr/>
-              <a:t>5/13/14</a:t>
+              <a:t>5/12/14</a:t>
             </a:fld>
             <a:endParaRPr lang="en-US"/>
           </a:p>
@@ -4483,7 +4482,7 @@
             <a:fld id="{4371DC99-4B83-4F42-BC45-F1355680DE96}" type="datetimeFigureOut">
               <a:rPr lang="en-US" smtClean="0"/>
               <a:pPr/>
-              <a:t>5/13/14</a:t>
+              <a:t>5/12/14</a:t>
             </a:fld>
             <a:endParaRPr lang="en-US"/>
           </a:p>
@@ -5637,81 +5636,6 @@
       </p:grpSpPr>
       <p:sp>
         <p:nvSpPr>
-          <p:cNvPr id="9" name="Title 8"/>
-          <p:cNvSpPr>
-            <a:spLocks noGrp="1"/>
-          </p:cNvSpPr>
-          <p:nvPr>
-            <p:ph type="title"/>
-          </p:nvPr>
-        </p:nvSpPr>
-        <p:spPr/>
-        <p:txBody>
-          <a:bodyPr/>
-          <a:lstStyle/>
-          <a:p>
-            <a:endParaRPr lang="en-US"/>
-          </a:p>
-        </p:txBody>
-      </p:sp>
-      <p:pic>
-        <p:nvPicPr>
-          <p:cNvPr id="8" name="Content Placeholder 7" descr="Screen Shot 2014-05-13 at 11.39.00 AM.png"/>
-          <p:cNvPicPr>
-            <a:picLocks noGrp="1" noChangeAspect="1"/>
-          </p:cNvPicPr>
-          <p:nvPr>
-            <p:ph idx="1"/>
-          </p:nvPr>
-        </p:nvPicPr>
-        <p:blipFill>
-          <a:blip r:embed="rId2"/>
-          <a:srcRect l="-20329" r="-20329"/>
-          <a:stretch>
-            <a:fillRect/>
-          </a:stretch>
-        </p:blipFill>
-        <p:spPr>
-          <a:xfrm>
-            <a:off x="-1032630" y="1289749"/>
-            <a:ext cx="11068039" cy="4633181"/>
-          </a:xfrm>
-        </p:spPr>
-      </p:pic>
-    </p:spTree>
-  </p:cSld>
-  <p:clrMapOvr>
-    <a:masterClrMapping/>
-  </p:clrMapOvr>
-  <p:timing>
-    <p:tnLst>
-      <p:par>
-        <p:cTn id="1" dur="indefinite" restart="never" nodeType="tmRoot"/>
-      </p:par>
-    </p:tnLst>
-  </p:timing>
-</p:sld>
-</file>
-
-<file path=ppt/slides/slide13.xml><?xml version="1.0" encoding="utf-8"?>
-<p:sld xmlns:a="http://schemas.openxmlformats.org/drawingml/2006/main" xmlns:r="http://schemas.openxmlformats.org/officeDocument/2006/relationships" xmlns:mc="http://schemas.openxmlformats.org/markup-compatibility/2006" xmlns:mv="urn:schemas-microsoft-com:mac:vml" xmlns:p="http://schemas.openxmlformats.org/presentationml/2006/main" mc:Ignorable="mv" mc:PreserveAttributes="mv:*">
-  <p:cSld>
-    <p:spTree>
-      <p:nvGrpSpPr>
-        <p:cNvPr id="1" name=""/>
-        <p:cNvGrpSpPr/>
-        <p:nvPr/>
-      </p:nvGrpSpPr>
-      <p:grpSpPr>
-        <a:xfrm>
-          <a:off x="0" y="0"/>
-          <a:ext cx="0" cy="0"/>
-          <a:chOff x="0" y="0"/>
-          <a:chExt cx="0" cy="0"/>
-        </a:xfrm>
-      </p:grpSpPr>
-      <p:sp>
-        <p:nvSpPr>
           <p:cNvPr id="4" name="Title 3"/>
           <p:cNvSpPr>
             <a:spLocks noGrp="1"/>
@@ -6085,6 +6009,116 @@
 </p:sld>
 </file>
 
+<file path=ppt/slides/slide13.xml><?xml version="1.0" encoding="utf-8"?>
+<p:sld xmlns:a="http://schemas.openxmlformats.org/drawingml/2006/main" xmlns:r="http://schemas.openxmlformats.org/officeDocument/2006/relationships" xmlns:mc="http://schemas.openxmlformats.org/markup-compatibility/2006" xmlns:mv="urn:schemas-microsoft-com:mac:vml" xmlns:p="http://schemas.openxmlformats.org/presentationml/2006/main" mc:Ignorable="mv" mc:PreserveAttributes="mv:*">
+  <p:cSld>
+    <p:spTree>
+      <p:nvGrpSpPr>
+        <p:cNvPr id="1" name=""/>
+        <p:cNvGrpSpPr/>
+        <p:nvPr/>
+      </p:nvGrpSpPr>
+      <p:grpSpPr>
+        <a:xfrm>
+          <a:off x="0" y="0"/>
+          <a:ext cx="0" cy="0"/>
+          <a:chOff x="0" y="0"/>
+          <a:chExt cx="0" cy="0"/>
+        </a:xfrm>
+      </p:grpSpPr>
+      <p:sp>
+        <p:nvSpPr>
+          <p:cNvPr id="2" name="Title 1"/>
+          <p:cNvSpPr>
+            <a:spLocks noGrp="1"/>
+          </p:cNvSpPr>
+          <p:nvPr>
+            <p:ph type="title"/>
+          </p:nvPr>
+        </p:nvSpPr>
+        <p:spPr/>
+        <p:txBody>
+          <a:bodyPr/>
+          <a:lstStyle/>
+          <a:p>
+            <a:r>
+              <a:rPr lang="en-US" dirty="0" smtClean="0"/>
+              <a:t>Evaluation Ideas</a:t>
+            </a:r>
+            <a:endParaRPr lang="en-US" dirty="0"/>
+          </a:p>
+        </p:txBody>
+      </p:sp>
+      <p:sp>
+        <p:nvSpPr>
+          <p:cNvPr id="3" name="Content Placeholder 2"/>
+          <p:cNvSpPr>
+            <a:spLocks noGrp="1"/>
+          </p:cNvSpPr>
+          <p:nvPr>
+            <p:ph idx="1"/>
+          </p:nvPr>
+        </p:nvSpPr>
+        <p:spPr/>
+        <p:txBody>
+          <a:bodyPr/>
+          <a:lstStyle/>
+          <a:p>
+            <a:r>
+              <a:rPr lang="en-US" dirty="0" smtClean="0"/>
+              <a:t>Scalability concerns</a:t>
+            </a:r>
+          </a:p>
+          <a:p>
+            <a:pPr lvl="1"/>
+            <a:r>
+              <a:rPr lang="en-US" dirty="0" smtClean="0"/>
+              <a:t>How many active connections can a peer handle at once?</a:t>
+            </a:r>
+          </a:p>
+          <a:p>
+            <a:pPr lvl="1"/>
+            <a:r>
+              <a:rPr lang="en-US" dirty="0" smtClean="0"/>
+              <a:t>Malicious nodes (</a:t>
+            </a:r>
+            <a:r>
+              <a:rPr lang="en-US" dirty="0" err="1" smtClean="0"/>
+              <a:t>DDoS</a:t>
+            </a:r>
+            <a:r>
+              <a:rPr lang="en-US" dirty="0" smtClean="0"/>
+              <a:t>), abusing DHT lookups</a:t>
+            </a:r>
+          </a:p>
+          <a:p>
+            <a:pPr lvl="1"/>
+            <a:r>
+              <a:rPr lang="en-US" dirty="0" smtClean="0"/>
+              <a:t>How does the performance of peers (measured in benchmark RT) vary with network size?</a:t>
+            </a:r>
+          </a:p>
+          <a:p>
+            <a:pPr lvl="2"/>
+            <a:r>
+              <a:rPr lang="en-US" dirty="0" smtClean="0"/>
+              <a:t>Likely dependent on DHT properties</a:t>
+            </a:r>
+          </a:p>
+          <a:p>
+            <a:pPr lvl="1"/>
+            <a:endParaRPr lang="en-US" dirty="0" smtClean="0"/>
+          </a:p>
+        </p:txBody>
+      </p:sp>
+    </p:spTree>
+  </p:cSld>
+  <p:clrMapOvr>
+    <a:masterClrMapping/>
+  </p:clrMapOvr>
+</p:sld>
+</file>
+
 <file path=ppt/slides/slide14.xml><?xml version="1.0" encoding="utf-8"?>
 <p:sld xmlns:a="http://schemas.openxmlformats.org/drawingml/2006/main" xmlns:r="http://schemas.openxmlformats.org/officeDocument/2006/relationships" xmlns:mc="http://schemas.openxmlformats.org/markup-compatibility/2006" xmlns:mv="urn:schemas-microsoft-com:mac:vml" xmlns:p="http://schemas.openxmlformats.org/presentationml/2006/main" mc:Ignorable="mv" mc:PreserveAttributes="mv:*">
   <p:cSld>
@@ -6119,7 +6153,7 @@
           <a:p>
             <a:r>
               <a:rPr lang="en-US" dirty="0" smtClean="0"/>
-              <a:t>Evaluation Ideas</a:t>
+              <a:t>Questions?</a:t>
             </a:r>
             <a:endParaRPr lang="en-US" dirty="0"/>
           </a:p>
@@ -6140,50 +6174,7 @@
           <a:bodyPr/>
           <a:lstStyle/>
           <a:p>
-            <a:r>
-              <a:rPr lang="en-US" dirty="0" smtClean="0"/>
-              <a:t>Scalability concerns</a:t>
-            </a:r>
-          </a:p>
-          <a:p>
-            <a:pPr lvl="1"/>
-            <a:r>
-              <a:rPr lang="en-US" dirty="0" smtClean="0"/>
-              <a:t>How many active connections can a peer handle at once?</a:t>
-            </a:r>
-          </a:p>
-          <a:p>
-            <a:pPr lvl="1"/>
-            <a:r>
-              <a:rPr lang="en-US" dirty="0" smtClean="0"/>
-              <a:t>Malicious nodes (</a:t>
-            </a:r>
-            <a:r>
-              <a:rPr lang="en-US" dirty="0" err="1" smtClean="0"/>
-              <a:t>DDoS</a:t>
-            </a:r>
-            <a:r>
-              <a:rPr lang="en-US" dirty="0" smtClean="0"/>
-              <a:t>), abusing DHT lookups</a:t>
-            </a:r>
-          </a:p>
-          <a:p>
-            <a:pPr lvl="1"/>
-            <a:r>
-              <a:rPr lang="en-US" dirty="0" smtClean="0"/>
-              <a:t>How does the performance of peers (measured in benchmark RT) vary with network size?</a:t>
-            </a:r>
-          </a:p>
-          <a:p>
-            <a:pPr lvl="2"/>
-            <a:r>
-              <a:rPr lang="en-US" dirty="0" smtClean="0"/>
-              <a:t>Likely dependent on DHT properties</a:t>
-            </a:r>
-          </a:p>
-          <a:p>
-            <a:pPr lvl="1"/>
-            <a:endParaRPr lang="en-US" dirty="0" smtClean="0"/>
+            <a:endParaRPr lang="en-US"/>
           </a:p>
         </p:txBody>
       </p:sp>
@@ -6192,87 +6183,6 @@
   <p:clrMapOvr>
     <a:masterClrMapping/>
   </p:clrMapOvr>
-  <p:timing>
-    <p:tnLst>
-      <p:par>
-        <p:cTn id="1" dur="indefinite" restart="never" nodeType="tmRoot"/>
-      </p:par>
-    </p:tnLst>
-  </p:timing>
-</p:sld>
-</file>
-
-<file path=ppt/slides/slide15.xml><?xml version="1.0" encoding="utf-8"?>
-<p:sld xmlns:a="http://schemas.openxmlformats.org/drawingml/2006/main" xmlns:r="http://schemas.openxmlformats.org/officeDocument/2006/relationships" xmlns:mc="http://schemas.openxmlformats.org/markup-compatibility/2006" xmlns:mv="urn:schemas-microsoft-com:mac:vml" xmlns:p="http://schemas.openxmlformats.org/presentationml/2006/main" mc:Ignorable="mv" mc:PreserveAttributes="mv:*">
-  <p:cSld>
-    <p:spTree>
-      <p:nvGrpSpPr>
-        <p:cNvPr id="1" name=""/>
-        <p:cNvGrpSpPr/>
-        <p:nvPr/>
-      </p:nvGrpSpPr>
-      <p:grpSpPr>
-        <a:xfrm>
-          <a:off x="0" y="0"/>
-          <a:ext cx="0" cy="0"/>
-          <a:chOff x="0" y="0"/>
-          <a:chExt cx="0" cy="0"/>
-        </a:xfrm>
-      </p:grpSpPr>
-      <p:sp>
-        <p:nvSpPr>
-          <p:cNvPr id="2" name="Title 1"/>
-          <p:cNvSpPr>
-            <a:spLocks noGrp="1"/>
-          </p:cNvSpPr>
-          <p:nvPr>
-            <p:ph type="title"/>
-          </p:nvPr>
-        </p:nvSpPr>
-        <p:spPr/>
-        <p:txBody>
-          <a:bodyPr/>
-          <a:lstStyle/>
-          <a:p>
-            <a:r>
-              <a:rPr lang="en-US" dirty="0" smtClean="0"/>
-              <a:t>Questions?</a:t>
-            </a:r>
-            <a:endParaRPr lang="en-US" dirty="0"/>
-          </a:p>
-        </p:txBody>
-      </p:sp>
-      <p:sp>
-        <p:nvSpPr>
-          <p:cNvPr id="3" name="Content Placeholder 2"/>
-          <p:cNvSpPr>
-            <a:spLocks noGrp="1"/>
-          </p:cNvSpPr>
-          <p:nvPr>
-            <p:ph idx="1"/>
-          </p:nvPr>
-        </p:nvSpPr>
-        <p:spPr/>
-        <p:txBody>
-          <a:bodyPr/>
-          <a:lstStyle/>
-          <a:p>
-            <a:endParaRPr lang="en-US"/>
-          </a:p>
-        </p:txBody>
-      </p:sp>
-    </p:spTree>
-  </p:cSld>
-  <p:clrMapOvr>
-    <a:masterClrMapping/>
-  </p:clrMapOvr>
-  <p:timing>
-    <p:tnLst>
-      <p:par>
-        <p:cTn id="1" dur="indefinite" restart="never" nodeType="tmRoot"/>
-      </p:par>
-    </p:tnLst>
-  </p:timing>
 </p:sld>
 </file>
 
@@ -6374,7 +6284,11 @@
             <a:pPr lvl="1"/>
             <a:r>
               <a:rPr lang="en-US" dirty="0" smtClean="0"/>
-              <a:t>Must trust users to maintain state; no central backup</a:t>
+              <a:t>Must trust users to maintain state; no central </a:t>
+            </a:r>
+            <a:r>
+              <a:rPr lang="en-US" dirty="0" smtClean="0"/>
+              <a:t>backup</a:t>
             </a:r>
           </a:p>
           <a:p>
@@ -6383,6 +6297,7 @@
               <a:rPr lang="en-US" dirty="0" smtClean="0"/>
               <a:t>Slow peers can cause latency issues, bottlenecks</a:t>
             </a:r>
+            <a:endParaRPr lang="en-US" dirty="0" smtClean="0"/>
           </a:p>
           <a:p>
             <a:pPr lvl="1"/>
@@ -6792,7 +6707,6 @@
               <a:rPr lang="en-US" dirty="0" smtClean="0"/>
               <a:t>Privacy</a:t>
             </a:r>
-            <a:endParaRPr lang="en-US" dirty="0" smtClean="0"/>
           </a:p>
           <a:p>
             <a:r>
@@ -6803,25 +6717,8 @@
           <a:p>
             <a:r>
               <a:rPr lang="en-US" dirty="0" smtClean="0"/>
-              <a:t>Scalabilit</a:t>
-            </a:r>
-            <a:r>
-              <a:rPr lang="en-US" dirty="0" smtClean="0"/>
-              <a:t>y</a:t>
-            </a:r>
-          </a:p>
-          <a:p>
-            <a:r>
-              <a:rPr lang="en-US" dirty="0" smtClean="0"/>
-              <a:t>Not interested </a:t>
-            </a:r>
-            <a:r>
-              <a:rPr lang="en-US" smtClean="0"/>
-              <a:t>in anonymity</a:t>
-            </a:r>
-          </a:p>
-          <a:p>
-            <a:endParaRPr lang="en-US" dirty="0" smtClean="0"/>
+              <a:t>Scalability</a:t>
+            </a:r>
           </a:p>
           <a:p>
             <a:endParaRPr lang="en-US" dirty="0"/>
@@ -7013,31 +6910,8 @@
           <a:p>
             <a:r>
               <a:rPr lang="en-US" dirty="0" smtClean="0"/>
-              <a:t>To get an address for a username, just ask the </a:t>
-            </a:r>
-            <a:r>
-              <a:rPr lang="en-US" dirty="0" smtClean="0"/>
-              <a:t>DHT</a:t>
-            </a:r>
-          </a:p>
-          <a:p>
-            <a:r>
-              <a:rPr lang="en-US" dirty="0" smtClean="0"/>
-              <a:t>Chord </a:t>
-            </a:r>
-            <a:r>
-              <a:rPr lang="en-US" dirty="0" err="1" smtClean="0"/>
-              <a:t>vs</a:t>
-            </a:r>
-            <a:r>
-              <a:rPr lang="en-US" dirty="0" smtClean="0"/>
-              <a:t> </a:t>
-            </a:r>
-            <a:r>
-              <a:rPr lang="en-US" dirty="0" err="1" smtClean="0"/>
-              <a:t>Kademlia</a:t>
-            </a:r>
-            <a:endParaRPr lang="en-US" dirty="0" smtClean="0"/>
+              <a:t>To get an address for a username, just ask the DHT</a:t>
+            </a:r>
           </a:p>
           <a:p>
             <a:endParaRPr lang="en-US" dirty="0"/>
@@ -7233,55 +7107,6 @@
                                           <p:spTgt spid="3">
                                             <p:txEl>
                                               <p:pRg st="3" end="3"/>
-                                            </p:txEl>
-                                          </p:spTgt>
-                                        </p:tgtEl>
-                                        <p:attrNameLst>
-                                          <p:attrName>style.visibility</p:attrName>
-                                        </p:attrNameLst>
-                                      </p:cBhvr>
-                                      <p:to>
-                                        <p:strVal val="visible"/>
-                                      </p:to>
-                                    </p:set>
-                                  </p:childTnLst>
-                                </p:cTn>
-                              </p:par>
-                            </p:childTnLst>
-                          </p:cTn>
-                        </p:par>
-                      </p:childTnLst>
-                    </p:cTn>
-                  </p:par>
-                  <p:par>
-                    <p:cTn id="19" fill="hold">
-                      <p:stCondLst>
-                        <p:cond delay="indefinite"/>
-                      </p:stCondLst>
-                      <p:childTnLst>
-                        <p:par>
-                          <p:cTn id="20" fill="hold">
-                            <p:stCondLst>
-                              <p:cond delay="0"/>
-                            </p:stCondLst>
-                            <p:childTnLst>
-                              <p:par>
-                                <p:cTn id="21" presetID="1" presetClass="entr" presetSubtype="0" fill="hold" grpId="0" nodeType="clickEffect">
-                                  <p:stCondLst>
-                                    <p:cond delay="0"/>
-                                  </p:stCondLst>
-                                  <p:childTnLst>
-                                    <p:set>
-                                      <p:cBhvr>
-                                        <p:cTn id="22" dur="1" fill="hold">
-                                          <p:stCondLst>
-                                            <p:cond delay="0"/>
-                                          </p:stCondLst>
-                                        </p:cTn>
-                                        <p:tgtEl>
-                                          <p:spTgt spid="3">
-                                            <p:txEl>
-                                              <p:pRg st="4" end="4"/>
                                             </p:txEl>
                                           </p:spTgt>
                                         </p:tgtEl>
@@ -8030,7 +7855,15 @@
             <a:pPr lvl="1"/>
             <a:r>
               <a:rPr lang="en-US" dirty="0" smtClean="0"/>
-              <a:t>Compose a verifier string, V, and send it to B</a:t>
+              <a:t>Compose</a:t>
+            </a:r>
+            <a:r>
+              <a:rPr lang="en-US" dirty="0" smtClean="0"/>
+              <a:t> </a:t>
+            </a:r>
+            <a:r>
+              <a:rPr lang="en-US" dirty="0" smtClean="0"/>
+              <a:t>a verifier string, V, and send it to B</a:t>
             </a:r>
           </a:p>
           <a:p>
